--- a/resources/NL Java 스터디 1회차.pptx
+++ b/resources/NL Java 스터디 1회차.pptx
@@ -13,9 +13,13 @@
     <p:sldId id="261" r:id="rId7"/>
     <p:sldId id="262" r:id="rId8"/>
     <p:sldId id="263" r:id="rId9"/>
-    <p:sldId id="264" r:id="rId10"/>
-    <p:sldId id="265" r:id="rId11"/>
-    <p:sldId id="266" r:id="rId12"/>
+    <p:sldId id="267" r:id="rId10"/>
+    <p:sldId id="264" r:id="rId11"/>
+    <p:sldId id="265" r:id="rId12"/>
+    <p:sldId id="266" r:id="rId13"/>
+    <p:sldId id="268" r:id="rId14"/>
+    <p:sldId id="269" r:id="rId15"/>
+    <p:sldId id="270" r:id="rId16"/>
   </p:sldIdLst>
   <p:sldSz cx="12192000" cy="6858000"/>
   <p:notesSz cx="6858000" cy="9144000"/>
@@ -114,6 +118,11 @@
       </a:defRPr>
     </a:lvl9pPr>
   </p:defaultTextStyle>
+  <p:extLst>
+    <p:ext uri="{EFAFB233-063F-42B5-8137-9DF3F51BA10A}">
+      <p15:sldGuideLst xmlns:p15="http://schemas.microsoft.com/office/powerpoint/2012/main"/>
+    </p:ext>
+  </p:extLst>
 </p:presentation>
 </file>
 
@@ -266,7 +275,7 @@
           <a:p>
             <a:fld id="{0791F7A2-62CD-4A01-B235-9A26EA1781A6}" type="datetimeFigureOut">
               <a:rPr lang="en-US" smtClean="0"/>
-              <a:t>4/30/2021</a:t>
+              <a:t>5/8/2021</a:t>
             </a:fld>
             <a:endParaRPr lang="en-US"/>
           </a:p>
@@ -466,7 +475,7 @@
           <a:p>
             <a:fld id="{0791F7A2-62CD-4A01-B235-9A26EA1781A6}" type="datetimeFigureOut">
               <a:rPr lang="en-US" smtClean="0"/>
-              <a:t>4/30/2021</a:t>
+              <a:t>5/8/2021</a:t>
             </a:fld>
             <a:endParaRPr lang="en-US"/>
           </a:p>
@@ -676,7 +685,7 @@
           <a:p>
             <a:fld id="{0791F7A2-62CD-4A01-B235-9A26EA1781A6}" type="datetimeFigureOut">
               <a:rPr lang="en-US" smtClean="0"/>
-              <a:t>4/30/2021</a:t>
+              <a:t>5/8/2021</a:t>
             </a:fld>
             <a:endParaRPr lang="en-US"/>
           </a:p>
@@ -876,7 +885,7 @@
           <a:p>
             <a:fld id="{0791F7A2-62CD-4A01-B235-9A26EA1781A6}" type="datetimeFigureOut">
               <a:rPr lang="en-US" smtClean="0"/>
-              <a:t>4/30/2021</a:t>
+              <a:t>5/8/2021</a:t>
             </a:fld>
             <a:endParaRPr lang="en-US"/>
           </a:p>
@@ -1152,7 +1161,7 @@
           <a:p>
             <a:fld id="{0791F7A2-62CD-4A01-B235-9A26EA1781A6}" type="datetimeFigureOut">
               <a:rPr lang="en-US" smtClean="0"/>
-              <a:t>4/30/2021</a:t>
+              <a:t>5/8/2021</a:t>
             </a:fld>
             <a:endParaRPr lang="en-US"/>
           </a:p>
@@ -1420,7 +1429,7 @@
           <a:p>
             <a:fld id="{0791F7A2-62CD-4A01-B235-9A26EA1781A6}" type="datetimeFigureOut">
               <a:rPr lang="en-US" smtClean="0"/>
-              <a:t>4/30/2021</a:t>
+              <a:t>5/8/2021</a:t>
             </a:fld>
             <a:endParaRPr lang="en-US"/>
           </a:p>
@@ -1835,7 +1844,7 @@
           <a:p>
             <a:fld id="{0791F7A2-62CD-4A01-B235-9A26EA1781A6}" type="datetimeFigureOut">
               <a:rPr lang="en-US" smtClean="0"/>
-              <a:t>4/30/2021</a:t>
+              <a:t>5/8/2021</a:t>
             </a:fld>
             <a:endParaRPr lang="en-US"/>
           </a:p>
@@ -1977,7 +1986,7 @@
           <a:p>
             <a:fld id="{0791F7A2-62CD-4A01-B235-9A26EA1781A6}" type="datetimeFigureOut">
               <a:rPr lang="en-US" smtClean="0"/>
-              <a:t>4/30/2021</a:t>
+              <a:t>5/8/2021</a:t>
             </a:fld>
             <a:endParaRPr lang="en-US"/>
           </a:p>
@@ -2090,7 +2099,7 @@
           <a:p>
             <a:fld id="{0791F7A2-62CD-4A01-B235-9A26EA1781A6}" type="datetimeFigureOut">
               <a:rPr lang="en-US" smtClean="0"/>
-              <a:t>4/30/2021</a:t>
+              <a:t>5/8/2021</a:t>
             </a:fld>
             <a:endParaRPr lang="en-US"/>
           </a:p>
@@ -2403,7 +2412,7 @@
           <a:p>
             <a:fld id="{0791F7A2-62CD-4A01-B235-9A26EA1781A6}" type="datetimeFigureOut">
               <a:rPr lang="en-US" smtClean="0"/>
-              <a:t>4/30/2021</a:t>
+              <a:t>5/8/2021</a:t>
             </a:fld>
             <a:endParaRPr lang="en-US"/>
           </a:p>
@@ -2692,7 +2701,7 @@
           <a:p>
             <a:fld id="{0791F7A2-62CD-4A01-B235-9A26EA1781A6}" type="datetimeFigureOut">
               <a:rPr lang="en-US" smtClean="0"/>
-              <a:t>4/30/2021</a:t>
+              <a:t>5/8/2021</a:t>
             </a:fld>
             <a:endParaRPr lang="en-US"/>
           </a:p>
@@ -2935,7 +2944,7 @@
           <a:p>
             <a:fld id="{0791F7A2-62CD-4A01-B235-9A26EA1781A6}" type="datetimeFigureOut">
               <a:rPr lang="en-US" smtClean="0"/>
-              <a:t>4/30/2021</a:t>
+              <a:t>5/8/2021</a:t>
             </a:fld>
             <a:endParaRPr lang="en-US"/>
           </a:p>
@@ -3451,7 +3460,7 @@
           <a:p>
             <a:r>
               <a:rPr lang="ko-KR" altLang="en-US" b="1"/>
-              <a:t>생성자 오버로딩</a:t>
+              <a:t>클래스 생성자</a:t>
             </a:r>
             <a:endParaRPr lang="en-US" b="1"/>
           </a:p>
@@ -3489,12 +3498,16 @@
               <a:buAutoNum type="arabicPeriod"/>
             </a:pPr>
             <a:r>
-              <a:rPr lang="en-US" sz="1800"/>
-              <a:t>Argument</a:t>
-            </a:r>
-            <a:r>
               <a:rPr lang="ko-KR" altLang="en-US" sz="1800"/>
-              <a:t>가 다른 다양한 형태로 생성자를 정의</a:t>
+              <a:t>객체를 생성 시 자동 호출되는 기능 </a:t>
+            </a:r>
+            <a:r>
+              <a:rPr lang="en-US" altLang="ko-KR" sz="1800"/>
+              <a:t>-&gt; </a:t>
+            </a:r>
+            <a:r>
+              <a:rPr lang="ko-KR" altLang="en-US" sz="1800"/>
+              <a:t>객체 초기화에 주로 쓰임</a:t>
             </a:r>
             <a:endParaRPr lang="en-US" altLang="ko-KR" sz="1800"/>
           </a:p>
@@ -3504,33 +3517,63 @@
             </a:pPr>
             <a:r>
               <a:rPr lang="ko-KR" altLang="en-US" sz="1800"/>
-              <a:t>다양한 형태로 객체를 생성할 수 있도록 함</a:t>
-            </a:r>
-            <a:r>
-              <a:rPr lang="en-US" altLang="ko-KR" sz="1800"/>
-              <a:t>.</a:t>
+              <a:t>규칙</a:t>
+            </a:r>
+            <a:endParaRPr lang="en-US" altLang="ko-KR" sz="1800"/>
+          </a:p>
+          <a:p>
+            <a:pPr marL="800100" lvl="1" indent="-342900">
+              <a:buAutoNum type="arabicPeriod"/>
+            </a:pPr>
+            <a:r>
+              <a:rPr lang="ko-KR" altLang="en-US" sz="1400"/>
+              <a:t>클래스와 이름이 같아야함</a:t>
+            </a:r>
+            <a:endParaRPr lang="en-US" altLang="ko-KR" sz="1400"/>
+          </a:p>
+          <a:p>
+            <a:pPr marL="800100" lvl="1" indent="-342900">
+              <a:buAutoNum type="arabicPeriod"/>
+            </a:pPr>
+            <a:r>
+              <a:rPr lang="ko-KR" altLang="en-US" sz="1400"/>
+              <a:t>리턴 타입이 없어야 함</a:t>
+            </a:r>
+            <a:endParaRPr lang="en-US" altLang="ko-KR" sz="1400"/>
+          </a:p>
+          <a:p>
+            <a:pPr marL="800100" lvl="1" indent="-342900">
+              <a:buAutoNum type="arabicPeriod"/>
+            </a:pPr>
+            <a:r>
+              <a:rPr lang="ko-KR" altLang="en-US" sz="1400"/>
+              <a:t>반드시 있어야 함</a:t>
+            </a:r>
+            <a:r>
+              <a:rPr lang="en-US" altLang="ko-KR" sz="1400"/>
+              <a:t>( </a:t>
+            </a:r>
+            <a:r>
+              <a:rPr lang="ko-KR" altLang="en-US" sz="1400"/>
+              <a:t>생략 가능하지만</a:t>
+            </a:r>
+            <a:r>
+              <a:rPr lang="en-US" altLang="ko-KR" sz="1400"/>
+              <a:t>, </a:t>
+            </a:r>
+            <a:r>
+              <a:rPr lang="ko-KR" altLang="en-US" sz="1400"/>
+              <a:t>컴파일러가 자동으로 만들어줌</a:t>
+            </a:r>
+            <a:r>
+              <a:rPr lang="en-US" altLang="ko-KR" sz="1400"/>
+              <a:t>)</a:t>
             </a:r>
           </a:p>
           <a:p>
             <a:pPr marL="342900" indent="-342900">
               <a:buAutoNum type="arabicPeriod"/>
             </a:pPr>
-            <a:r>
-              <a:rPr lang="ko-KR" altLang="en-US" sz="1800"/>
-              <a:t>사용자가 직접 생성자를 정의하게 되면 </a:t>
-            </a:r>
-            <a:r>
-              <a:rPr lang="en-US" altLang="ko-KR" sz="1800"/>
-              <a:t>default constructor </a:t>
-            </a:r>
-            <a:r>
-              <a:rPr lang="ko-KR" altLang="en-US" sz="1800"/>
-              <a:t>가 삽입되지 않으므로 생성자 정의 시 같이 정의해준다</a:t>
-            </a:r>
-            <a:r>
-              <a:rPr lang="en-US" altLang="ko-KR" sz="1800"/>
-              <a:t>.</a:t>
-            </a:r>
             <a:endParaRPr lang="en-US" sz="1800"/>
           </a:p>
           <a:p>
@@ -3556,56 +3599,15 @@
               <a:buNone/>
             </a:pPr>
             <a:endParaRPr lang="en-US" sz="3200" b="1"/>
-          </a:p>
-        </p:txBody>
-      </p:sp>
-      <p:sp>
-        <p:nvSpPr>
-          <p:cNvPr id="5" name="TextBox 4">
-            <a:extLst>
-              <a:ext uri="{FF2B5EF4-FFF2-40B4-BE49-F238E27FC236}">
-                <a16:creationId xmlns:a16="http://schemas.microsoft.com/office/drawing/2014/main" id="{D8C07B6A-658D-4D85-830C-2045E4D98AA3}"/>
-              </a:ext>
-            </a:extLst>
-          </p:cNvPr>
-          <p:cNvSpPr txBox="1"/>
-          <p:nvPr/>
-        </p:nvSpPr>
-        <p:spPr>
-          <a:xfrm>
-            <a:off x="3672238" y="4315157"/>
-            <a:ext cx="3713583" cy="369332"/>
-          </a:xfrm>
-          <a:prstGeom prst="rect">
-            <a:avLst/>
-          </a:prstGeom>
-          <a:noFill/>
-        </p:spPr>
-        <p:txBody>
-          <a:bodyPr wrap="square" rtlCol="0">
-            <a:spAutoFit/>
-          </a:bodyPr>
-          <a:lstStyle/>
-          <a:p>
-            <a:pPr algn="ctr"/>
-            <a:r>
-              <a:rPr lang="en-US"/>
-              <a:t>&lt;- </a:t>
-            </a:r>
-            <a:r>
-              <a:rPr lang="ko-KR" altLang="en-US"/>
-              <a:t>얘도 생성자</a:t>
-            </a:r>
-            <a:endParaRPr lang="en-US"/>
           </a:p>
         </p:txBody>
       </p:sp>
       <p:pic>
         <p:nvPicPr>
-          <p:cNvPr id="6" name="그림 5">
-            <a:extLst>
-              <a:ext uri="{FF2B5EF4-FFF2-40B4-BE49-F238E27FC236}">
-                <a16:creationId xmlns:a16="http://schemas.microsoft.com/office/drawing/2014/main" id="{B0DA32CB-57AA-4B49-86BE-C13E25618901}"/>
+          <p:cNvPr id="4" name="그림 3">
+            <a:extLst>
+              <a:ext uri="{FF2B5EF4-FFF2-40B4-BE49-F238E27FC236}">
+                <a16:creationId xmlns:a16="http://schemas.microsoft.com/office/drawing/2014/main" id="{9051C0EE-3257-4ACE-B9C5-3D4D61361F98}"/>
               </a:ext>
             </a:extLst>
           </p:cNvPr>
@@ -3622,8 +3624,8 @@
         </p:blipFill>
         <p:spPr>
           <a:xfrm>
-            <a:off x="338058" y="3234647"/>
-            <a:ext cx="4267796" cy="3191320"/>
+            <a:off x="417130" y="3429000"/>
+            <a:ext cx="5604944" cy="3003957"/>
           </a:xfrm>
           <a:prstGeom prst="rect">
             <a:avLst/>
@@ -3632,10 +3634,10 @@
       </p:pic>
       <p:sp>
         <p:nvSpPr>
-          <p:cNvPr id="7" name="TextBox 6">
-            <a:extLst>
-              <a:ext uri="{FF2B5EF4-FFF2-40B4-BE49-F238E27FC236}">
-                <a16:creationId xmlns:a16="http://schemas.microsoft.com/office/drawing/2014/main" id="{D4FC9072-CCCB-4A68-8EF7-BE98F2BADF6B}"/>
+          <p:cNvPr id="5" name="TextBox 4">
+            <a:extLst>
+              <a:ext uri="{FF2B5EF4-FFF2-40B4-BE49-F238E27FC236}">
+                <a16:creationId xmlns:a16="http://schemas.microsoft.com/office/drawing/2014/main" id="{D8C07B6A-658D-4D85-830C-2045E4D98AA3}"/>
               </a:ext>
             </a:extLst>
           </p:cNvPr>
@@ -3644,7 +3646,7 @@
         </p:nvSpPr>
         <p:spPr>
           <a:xfrm>
-            <a:off x="3672238" y="5370562"/>
+            <a:off x="3093740" y="4930978"/>
             <a:ext cx="3713583" cy="369332"/>
           </a:xfrm>
           <a:prstGeom prst="rect">
@@ -3665,7 +3667,7 @@
             </a:r>
             <a:r>
               <a:rPr lang="ko-KR" altLang="en-US"/>
-              <a:t>얘도 생성자</a:t>
+              <a:t>얘가 생성자</a:t>
             </a:r>
             <a:endParaRPr lang="en-US"/>
           </a:p>
@@ -3674,7 +3676,7 @@
     </p:spTree>
     <p:extLst>
       <p:ext uri="{BB962C8B-B14F-4D97-AF65-F5344CB8AC3E}">
-        <p14:creationId xmlns:p14="http://schemas.microsoft.com/office/powerpoint/2010/main" val="865200571"/>
+        <p14:creationId xmlns:p14="http://schemas.microsoft.com/office/powerpoint/2010/main" val="971284570"/>
       </p:ext>
     </p:extLst>
   </p:cSld>
@@ -3723,8 +3725,20 @@
           <a:lstStyle/>
           <a:p>
             <a:r>
+              <a:rPr lang="en-US" altLang="ko-KR" b="1"/>
+              <a:t>( </a:t>
+            </a:r>
+            <a:r>
               <a:rPr lang="ko-KR" altLang="en-US" b="1"/>
-              <a:t>메서드</a:t>
+              <a:t>생성자 </a:t>
+            </a:r>
+            <a:r>
+              <a:rPr lang="en-US" altLang="ko-KR" b="1"/>
+              <a:t>)</a:t>
+            </a:r>
+            <a:r>
+              <a:rPr lang="ko-KR" altLang="en-US" b="1"/>
+              <a:t>오버로딩</a:t>
             </a:r>
             <a:endParaRPr lang="en-US" b="1"/>
           </a:p>
@@ -3762,6 +3776,295 @@
               <a:buAutoNum type="arabicPeriod"/>
             </a:pPr>
             <a:r>
+              <a:rPr lang="en-US" sz="1800"/>
+              <a:t>Argument</a:t>
+            </a:r>
+            <a:r>
+              <a:rPr lang="ko-KR" altLang="en-US" sz="1800"/>
+              <a:t>가 다른 다양한 형태로 </a:t>
+            </a:r>
+            <a:r>
+              <a:rPr lang="en-US" altLang="ko-KR" sz="1800"/>
+              <a:t>(</a:t>
+            </a:r>
+            <a:r>
+              <a:rPr lang="ko-KR" altLang="en-US" sz="1800"/>
+              <a:t>생성자</a:t>
+            </a:r>
+            <a:r>
+              <a:rPr lang="en-US" altLang="ko-KR" sz="1800"/>
+              <a:t>)</a:t>
+            </a:r>
+            <a:r>
+              <a:rPr lang="ko-KR" altLang="en-US" sz="1800"/>
+              <a:t>를 정의</a:t>
+            </a:r>
+            <a:endParaRPr lang="en-US" altLang="ko-KR" sz="1800"/>
+          </a:p>
+          <a:p>
+            <a:pPr marL="342900" indent="-342900">
+              <a:buAutoNum type="arabicPeriod"/>
+            </a:pPr>
+            <a:r>
+              <a:rPr lang="ko-KR" altLang="en-US" sz="1800"/>
+              <a:t>다양한 형태로 객체를 생성할 수 있도록 함</a:t>
+            </a:r>
+            <a:r>
+              <a:rPr lang="en-US" altLang="ko-KR" sz="1800"/>
+              <a:t>.</a:t>
+            </a:r>
+          </a:p>
+          <a:p>
+            <a:pPr marL="342900" indent="-342900">
+              <a:buAutoNum type="arabicPeriod"/>
+            </a:pPr>
+            <a:r>
+              <a:rPr lang="ko-KR" altLang="en-US" sz="1800"/>
+              <a:t>사용자가 직접 생성자를 정의하게 되면 </a:t>
+            </a:r>
+            <a:r>
+              <a:rPr lang="en-US" altLang="ko-KR" sz="1800"/>
+              <a:t>default constructor </a:t>
+            </a:r>
+            <a:r>
+              <a:rPr lang="ko-KR" altLang="en-US" sz="1800"/>
+              <a:t>가 삽입되지 않으므로 생성자 정의 시 같이 정의해준다</a:t>
+            </a:r>
+            <a:r>
+              <a:rPr lang="en-US" altLang="ko-KR" sz="1800"/>
+              <a:t>.</a:t>
+            </a:r>
+            <a:endParaRPr lang="en-US" sz="1800"/>
+          </a:p>
+          <a:p>
+            <a:pPr marL="0" indent="0">
+              <a:buNone/>
+            </a:pPr>
+            <a:endParaRPr lang="en-US" sz="1800"/>
+          </a:p>
+          <a:p>
+            <a:pPr marL="0" indent="0">
+              <a:buNone/>
+            </a:pPr>
+            <a:endParaRPr lang="en-US" sz="1800"/>
+          </a:p>
+          <a:p>
+            <a:pPr marL="0" indent="0" algn="ctr">
+              <a:buNone/>
+            </a:pPr>
+            <a:endParaRPr lang="en-US" sz="3200" b="1"/>
+          </a:p>
+          <a:p>
+            <a:pPr marL="0" indent="0" algn="ctr">
+              <a:buNone/>
+            </a:pPr>
+            <a:endParaRPr lang="en-US" sz="3200" b="1"/>
+          </a:p>
+        </p:txBody>
+      </p:sp>
+      <p:sp>
+        <p:nvSpPr>
+          <p:cNvPr id="5" name="TextBox 4">
+            <a:extLst>
+              <a:ext uri="{FF2B5EF4-FFF2-40B4-BE49-F238E27FC236}">
+                <a16:creationId xmlns:a16="http://schemas.microsoft.com/office/drawing/2014/main" id="{D8C07B6A-658D-4D85-830C-2045E4D98AA3}"/>
+              </a:ext>
+            </a:extLst>
+          </p:cNvPr>
+          <p:cNvSpPr txBox="1"/>
+          <p:nvPr/>
+        </p:nvSpPr>
+        <p:spPr>
+          <a:xfrm>
+            <a:off x="3672238" y="4315157"/>
+            <a:ext cx="3713583" cy="369332"/>
+          </a:xfrm>
+          <a:prstGeom prst="rect">
+            <a:avLst/>
+          </a:prstGeom>
+          <a:noFill/>
+        </p:spPr>
+        <p:txBody>
+          <a:bodyPr wrap="square" rtlCol="0">
+            <a:spAutoFit/>
+          </a:bodyPr>
+          <a:lstStyle/>
+          <a:p>
+            <a:pPr algn="ctr"/>
+            <a:r>
+              <a:rPr lang="en-US"/>
+              <a:t>&lt;- </a:t>
+            </a:r>
+            <a:r>
+              <a:rPr lang="ko-KR" altLang="en-US"/>
+              <a:t>얘도 생성자</a:t>
+            </a:r>
+            <a:endParaRPr lang="en-US"/>
+          </a:p>
+        </p:txBody>
+      </p:sp>
+      <p:pic>
+        <p:nvPicPr>
+          <p:cNvPr id="6" name="그림 5">
+            <a:extLst>
+              <a:ext uri="{FF2B5EF4-FFF2-40B4-BE49-F238E27FC236}">
+                <a16:creationId xmlns:a16="http://schemas.microsoft.com/office/drawing/2014/main" id="{B0DA32CB-57AA-4B49-86BE-C13E25618901}"/>
+              </a:ext>
+            </a:extLst>
+          </p:cNvPr>
+          <p:cNvPicPr>
+            <a:picLocks noChangeAspect="1"/>
+          </p:cNvPicPr>
+          <p:nvPr/>
+        </p:nvPicPr>
+        <p:blipFill>
+          <a:blip r:embed="rId2"/>
+          <a:stretch>
+            <a:fillRect/>
+          </a:stretch>
+        </p:blipFill>
+        <p:spPr>
+          <a:xfrm>
+            <a:off x="338058" y="3234647"/>
+            <a:ext cx="4267796" cy="3191320"/>
+          </a:xfrm>
+          <a:prstGeom prst="rect">
+            <a:avLst/>
+          </a:prstGeom>
+        </p:spPr>
+      </p:pic>
+      <p:sp>
+        <p:nvSpPr>
+          <p:cNvPr id="7" name="TextBox 6">
+            <a:extLst>
+              <a:ext uri="{FF2B5EF4-FFF2-40B4-BE49-F238E27FC236}">
+                <a16:creationId xmlns:a16="http://schemas.microsoft.com/office/drawing/2014/main" id="{D4FC9072-CCCB-4A68-8EF7-BE98F2BADF6B}"/>
+              </a:ext>
+            </a:extLst>
+          </p:cNvPr>
+          <p:cNvSpPr txBox="1"/>
+          <p:nvPr/>
+        </p:nvSpPr>
+        <p:spPr>
+          <a:xfrm>
+            <a:off x="3672238" y="5370562"/>
+            <a:ext cx="3713583" cy="369332"/>
+          </a:xfrm>
+          <a:prstGeom prst="rect">
+            <a:avLst/>
+          </a:prstGeom>
+          <a:noFill/>
+        </p:spPr>
+        <p:txBody>
+          <a:bodyPr wrap="square" rtlCol="0">
+            <a:spAutoFit/>
+          </a:bodyPr>
+          <a:lstStyle/>
+          <a:p>
+            <a:pPr algn="ctr"/>
+            <a:r>
+              <a:rPr lang="en-US"/>
+              <a:t>&lt;- </a:t>
+            </a:r>
+            <a:r>
+              <a:rPr lang="ko-KR" altLang="en-US"/>
+              <a:t>얘도 생성자</a:t>
+            </a:r>
+            <a:endParaRPr lang="en-US"/>
+          </a:p>
+        </p:txBody>
+      </p:sp>
+    </p:spTree>
+    <p:extLst>
+      <p:ext uri="{BB962C8B-B14F-4D97-AF65-F5344CB8AC3E}">
+        <p14:creationId xmlns:p14="http://schemas.microsoft.com/office/powerpoint/2010/main" val="865200571"/>
+      </p:ext>
+    </p:extLst>
+  </p:cSld>
+  <p:clrMapOvr>
+    <a:masterClrMapping/>
+  </p:clrMapOvr>
+</p:sld>
+</file>
+
+<file path=ppt/slides/slide12.xml><?xml version="1.0" encoding="utf-8"?>
+<p:sld xmlns:a="http://schemas.openxmlformats.org/drawingml/2006/main" xmlns:r="http://schemas.openxmlformats.org/officeDocument/2006/relationships" xmlns:p="http://schemas.openxmlformats.org/presentationml/2006/main">
+  <p:cSld>
+    <p:spTree>
+      <p:nvGrpSpPr>
+        <p:cNvPr id="1" name=""/>
+        <p:cNvGrpSpPr/>
+        <p:nvPr/>
+      </p:nvGrpSpPr>
+      <p:grpSpPr>
+        <a:xfrm>
+          <a:off x="0" y="0"/>
+          <a:ext cx="0" cy="0"/>
+          <a:chOff x="0" y="0"/>
+          <a:chExt cx="0" cy="0"/>
+        </a:xfrm>
+      </p:grpSpPr>
+      <p:sp>
+        <p:nvSpPr>
+          <p:cNvPr id="2" name="제목 1">
+            <a:extLst>
+              <a:ext uri="{FF2B5EF4-FFF2-40B4-BE49-F238E27FC236}">
+                <a16:creationId xmlns:a16="http://schemas.microsoft.com/office/drawing/2014/main" id="{B9398110-B3CD-466E-8E02-788F7BDFBA76}"/>
+              </a:ext>
+            </a:extLst>
+          </p:cNvPr>
+          <p:cNvSpPr>
+            <a:spLocks noGrp="1"/>
+          </p:cNvSpPr>
+          <p:nvPr>
+            <p:ph type="title"/>
+          </p:nvPr>
+        </p:nvSpPr>
+        <p:spPr/>
+        <p:txBody>
+          <a:bodyPr/>
+          <a:lstStyle/>
+          <a:p>
+            <a:r>
+              <a:rPr lang="ko-KR" altLang="en-US" b="1"/>
+              <a:t>메서드</a:t>
+            </a:r>
+            <a:endParaRPr lang="en-US" b="1"/>
+          </a:p>
+        </p:txBody>
+      </p:sp>
+      <p:sp>
+        <p:nvSpPr>
+          <p:cNvPr id="3" name="내용 개체 틀 2">
+            <a:extLst>
+              <a:ext uri="{FF2B5EF4-FFF2-40B4-BE49-F238E27FC236}">
+                <a16:creationId xmlns:a16="http://schemas.microsoft.com/office/drawing/2014/main" id="{EC480478-B6D7-4446-A7D3-F725F67280A6}"/>
+              </a:ext>
+            </a:extLst>
+          </p:cNvPr>
+          <p:cNvSpPr>
+            <a:spLocks noGrp="1"/>
+          </p:cNvSpPr>
+          <p:nvPr>
+            <p:ph idx="1"/>
+          </p:nvPr>
+        </p:nvSpPr>
+        <p:spPr>
+          <a:xfrm>
+            <a:off x="519418" y="1812022"/>
+            <a:ext cx="10515600" cy="4613945"/>
+          </a:xfrm>
+        </p:spPr>
+        <p:txBody>
+          <a:bodyPr>
+            <a:normAutofit/>
+          </a:bodyPr>
+          <a:lstStyle/>
+          <a:p>
+            <a:pPr marL="342900" indent="-342900">
+              <a:buAutoNum type="arabicPeriod"/>
+            </a:pPr>
+            <a:r>
               <a:rPr lang="ko-KR" altLang="en-US" sz="1800"/>
               <a:t>객체가 수행할 수 있는 기능을 정의</a:t>
             </a:r>
@@ -3822,6 +4125,159 @@
               <a:buNone/>
             </a:pPr>
             <a:endParaRPr lang="en-US" sz="3200" b="1"/>
+          </a:p>
+        </p:txBody>
+      </p:sp>
+      <p:pic>
+        <p:nvPicPr>
+          <p:cNvPr id="4" name="그림 3">
+            <a:extLst>
+              <a:ext uri="{FF2B5EF4-FFF2-40B4-BE49-F238E27FC236}">
+                <a16:creationId xmlns:a16="http://schemas.microsoft.com/office/drawing/2014/main" id="{576476EF-E0D9-468A-A699-8B3E41C94099}"/>
+              </a:ext>
+            </a:extLst>
+          </p:cNvPr>
+          <p:cNvPicPr>
+            <a:picLocks noChangeAspect="1"/>
+          </p:cNvPicPr>
+          <p:nvPr/>
+        </p:nvPicPr>
+        <p:blipFill>
+          <a:blip r:embed="rId2"/>
+          <a:stretch>
+            <a:fillRect/>
+          </a:stretch>
+        </p:blipFill>
+        <p:spPr>
+          <a:xfrm>
+            <a:off x="417130" y="3429000"/>
+            <a:ext cx="5604944" cy="3003957"/>
+          </a:xfrm>
+          <a:prstGeom prst="rect">
+            <a:avLst/>
+          </a:prstGeom>
+        </p:spPr>
+      </p:pic>
+      <p:sp>
+        <p:nvSpPr>
+          <p:cNvPr id="5" name="TextBox 4">
+            <a:extLst>
+              <a:ext uri="{FF2B5EF4-FFF2-40B4-BE49-F238E27FC236}">
+                <a16:creationId xmlns:a16="http://schemas.microsoft.com/office/drawing/2014/main" id="{A9A5E16D-43D3-41B4-98BC-C3ED2685F05F}"/>
+              </a:ext>
+            </a:extLst>
+          </p:cNvPr>
+          <p:cNvSpPr txBox="1"/>
+          <p:nvPr/>
+        </p:nvSpPr>
+        <p:spPr>
+          <a:xfrm>
+            <a:off x="3920426" y="3934328"/>
+            <a:ext cx="3713583" cy="369332"/>
+          </a:xfrm>
+          <a:prstGeom prst="rect">
+            <a:avLst/>
+          </a:prstGeom>
+          <a:noFill/>
+        </p:spPr>
+        <p:txBody>
+          <a:bodyPr wrap="square" rtlCol="0">
+            <a:spAutoFit/>
+          </a:bodyPr>
+          <a:lstStyle/>
+          <a:p>
+            <a:pPr algn="ctr"/>
+            <a:r>
+              <a:rPr lang="en-US"/>
+              <a:t>&lt;- </a:t>
+            </a:r>
+            <a:r>
+              <a:rPr lang="ko-KR" altLang="en-US"/>
+              <a:t>멤버 변수</a:t>
+            </a:r>
+            <a:endParaRPr lang="en-US"/>
+          </a:p>
+        </p:txBody>
+      </p:sp>
+      <p:sp>
+        <p:nvSpPr>
+          <p:cNvPr id="6" name="TextBox 5">
+            <a:extLst>
+              <a:ext uri="{FF2B5EF4-FFF2-40B4-BE49-F238E27FC236}">
+                <a16:creationId xmlns:a16="http://schemas.microsoft.com/office/drawing/2014/main" id="{3B55583C-54A8-4C5E-888C-0D41B5FBCD85}"/>
+              </a:ext>
+            </a:extLst>
+          </p:cNvPr>
+          <p:cNvSpPr txBox="1"/>
+          <p:nvPr/>
+        </p:nvSpPr>
+        <p:spPr>
+          <a:xfrm>
+            <a:off x="3920426" y="4995481"/>
+            <a:ext cx="3713583" cy="369332"/>
+          </a:xfrm>
+          <a:prstGeom prst="rect">
+            <a:avLst/>
+          </a:prstGeom>
+          <a:noFill/>
+        </p:spPr>
+        <p:txBody>
+          <a:bodyPr wrap="square" rtlCol="0">
+            <a:spAutoFit/>
+          </a:bodyPr>
+          <a:lstStyle/>
+          <a:p>
+            <a:pPr algn="ctr"/>
+            <a:r>
+              <a:rPr lang="en-US"/>
+              <a:t>&lt;- </a:t>
+            </a:r>
+            <a:r>
+              <a:rPr lang="ko-KR" altLang="en-US"/>
+              <a:t>생성자</a:t>
+            </a:r>
+            <a:endParaRPr lang="en-US"/>
+          </a:p>
+        </p:txBody>
+      </p:sp>
+      <p:sp>
+        <p:nvSpPr>
+          <p:cNvPr id="7" name="TextBox 6">
+            <a:extLst>
+              <a:ext uri="{FF2B5EF4-FFF2-40B4-BE49-F238E27FC236}">
+                <a16:creationId xmlns:a16="http://schemas.microsoft.com/office/drawing/2014/main" id="{6ACEB5AE-228B-43BD-9071-2DD7AB6D5D84}"/>
+              </a:ext>
+            </a:extLst>
+          </p:cNvPr>
+          <p:cNvSpPr txBox="1"/>
+          <p:nvPr/>
+        </p:nvSpPr>
+        <p:spPr>
+          <a:xfrm>
+            <a:off x="3920425" y="5920638"/>
+            <a:ext cx="3713583" cy="369332"/>
+          </a:xfrm>
+          <a:prstGeom prst="rect">
+            <a:avLst/>
+          </a:prstGeom>
+          <a:noFill/>
+        </p:spPr>
+        <p:txBody>
+          <a:bodyPr wrap="square" rtlCol="0">
+            <a:spAutoFit/>
+          </a:bodyPr>
+          <a:lstStyle/>
+          <a:p>
+            <a:pPr algn="ctr"/>
+            <a:r>
+              <a:rPr lang="en-US"/>
+              <a:t>&lt;- </a:t>
+            </a:r>
+            <a:r>
+              <a:rPr lang="ko-KR" altLang="en-US"/>
+              <a:t>메서드</a:t>
+            </a:r>
+            <a:endParaRPr lang="en-US"/>
           </a:p>
         </p:txBody>
       </p:sp>
@@ -3829,6 +4285,670 @@
     <p:extLst>
       <p:ext uri="{BB962C8B-B14F-4D97-AF65-F5344CB8AC3E}">
         <p14:creationId xmlns:p14="http://schemas.microsoft.com/office/powerpoint/2010/main" val="3651783997"/>
+      </p:ext>
+    </p:extLst>
+  </p:cSld>
+  <p:clrMapOvr>
+    <a:masterClrMapping/>
+  </p:clrMapOvr>
+</p:sld>
+</file>
+
+<file path=ppt/slides/slide13.xml><?xml version="1.0" encoding="utf-8"?>
+<p:sld xmlns:a="http://schemas.openxmlformats.org/drawingml/2006/main" xmlns:r="http://schemas.openxmlformats.org/officeDocument/2006/relationships" xmlns:p="http://schemas.openxmlformats.org/presentationml/2006/main">
+  <p:cSld>
+    <p:spTree>
+      <p:nvGrpSpPr>
+        <p:cNvPr id="1" name=""/>
+        <p:cNvGrpSpPr/>
+        <p:nvPr/>
+      </p:nvGrpSpPr>
+      <p:grpSpPr>
+        <a:xfrm>
+          <a:off x="0" y="0"/>
+          <a:ext cx="0" cy="0"/>
+          <a:chOff x="0" y="0"/>
+          <a:chExt cx="0" cy="0"/>
+        </a:xfrm>
+      </p:grpSpPr>
+      <p:sp>
+        <p:nvSpPr>
+          <p:cNvPr id="2" name="제목 1">
+            <a:extLst>
+              <a:ext uri="{FF2B5EF4-FFF2-40B4-BE49-F238E27FC236}">
+                <a16:creationId xmlns:a16="http://schemas.microsoft.com/office/drawing/2014/main" id="{B9398110-B3CD-466E-8E02-788F7BDFBA76}"/>
+              </a:ext>
+            </a:extLst>
+          </p:cNvPr>
+          <p:cNvSpPr>
+            <a:spLocks noGrp="1"/>
+          </p:cNvSpPr>
+          <p:nvPr>
+            <p:ph type="title"/>
+          </p:nvPr>
+        </p:nvSpPr>
+        <p:spPr/>
+        <p:txBody>
+          <a:bodyPr/>
+          <a:lstStyle/>
+          <a:p>
+            <a:r>
+              <a:rPr lang="ko-KR" altLang="en-US" b="1"/>
+              <a:t>메서드 오버로딩</a:t>
+            </a:r>
+            <a:endParaRPr lang="en-US" b="1"/>
+          </a:p>
+        </p:txBody>
+      </p:sp>
+      <p:sp>
+        <p:nvSpPr>
+          <p:cNvPr id="3" name="내용 개체 틀 2">
+            <a:extLst>
+              <a:ext uri="{FF2B5EF4-FFF2-40B4-BE49-F238E27FC236}">
+                <a16:creationId xmlns:a16="http://schemas.microsoft.com/office/drawing/2014/main" id="{EC480478-B6D7-4446-A7D3-F725F67280A6}"/>
+              </a:ext>
+            </a:extLst>
+          </p:cNvPr>
+          <p:cNvSpPr>
+            <a:spLocks noGrp="1"/>
+          </p:cNvSpPr>
+          <p:nvPr>
+            <p:ph idx="1"/>
+          </p:nvPr>
+        </p:nvSpPr>
+        <p:spPr>
+          <a:xfrm>
+            <a:off x="519418" y="1812022"/>
+            <a:ext cx="10515600" cy="4613945"/>
+          </a:xfrm>
+        </p:spPr>
+        <p:txBody>
+          <a:bodyPr>
+            <a:normAutofit/>
+          </a:bodyPr>
+          <a:lstStyle/>
+          <a:p>
+            <a:pPr marL="342900" indent="-342900">
+              <a:buAutoNum type="arabicPeriod"/>
+            </a:pPr>
+            <a:r>
+              <a:rPr lang="ko-KR" altLang="en-US" sz="1800"/>
+              <a:t>같거나 비슷한 일을 하는 메서드 구현 시에 이름을 같게 정의해서 사용을 편리하게 함</a:t>
+            </a:r>
+            <a:endParaRPr lang="en-US" altLang="ko-KR" sz="1800"/>
+          </a:p>
+          <a:p>
+            <a:pPr marL="342900" indent="-342900">
+              <a:buAutoNum type="arabicPeriod"/>
+            </a:pPr>
+            <a:r>
+              <a:rPr lang="ko-KR" altLang="en-US" sz="1800"/>
+              <a:t>이름은 같고</a:t>
+            </a:r>
+            <a:r>
+              <a:rPr lang="en-US" altLang="ko-KR" sz="1800"/>
+              <a:t>, </a:t>
+            </a:r>
+            <a:r>
+              <a:rPr lang="ko-KR" altLang="en-US" sz="1800"/>
+              <a:t>파라미터는 반드시 달라야 함</a:t>
+            </a:r>
+            <a:r>
+              <a:rPr lang="en-US" altLang="ko-KR" sz="1800"/>
+              <a:t>.</a:t>
+            </a:r>
+          </a:p>
+          <a:p>
+            <a:pPr marL="342900" indent="-342900">
+              <a:buAutoNum type="arabicPeriod"/>
+            </a:pPr>
+            <a:r>
+              <a:rPr lang="ko-KR" altLang="en-US" sz="1800"/>
+              <a:t>제한자나 리턴 타입은 상관 없음</a:t>
+            </a:r>
+            <a:endParaRPr lang="en-US" sz="1800"/>
+          </a:p>
+          <a:p>
+            <a:pPr marL="0" indent="0" algn="ctr">
+              <a:buNone/>
+            </a:pPr>
+            <a:endParaRPr lang="en-US" sz="3200" b="1"/>
+          </a:p>
+          <a:p>
+            <a:pPr marL="0" indent="0" algn="ctr">
+              <a:buNone/>
+            </a:pPr>
+            <a:endParaRPr lang="en-US" sz="3200" b="1"/>
+          </a:p>
+        </p:txBody>
+      </p:sp>
+      <p:pic>
+        <p:nvPicPr>
+          <p:cNvPr id="8" name="그림 7">
+            <a:extLst>
+              <a:ext uri="{FF2B5EF4-FFF2-40B4-BE49-F238E27FC236}">
+                <a16:creationId xmlns:a16="http://schemas.microsoft.com/office/drawing/2014/main" id="{3C5629F4-4062-4846-B19F-F6B3714450F8}"/>
+              </a:ext>
+            </a:extLst>
+          </p:cNvPr>
+          <p:cNvPicPr>
+            <a:picLocks noChangeAspect="1"/>
+          </p:cNvPicPr>
+          <p:nvPr/>
+        </p:nvPicPr>
+        <p:blipFill>
+          <a:blip r:embed="rId2"/>
+          <a:stretch>
+            <a:fillRect/>
+          </a:stretch>
+        </p:blipFill>
+        <p:spPr>
+          <a:xfrm>
+            <a:off x="519418" y="3346478"/>
+            <a:ext cx="4496427" cy="3343742"/>
+          </a:xfrm>
+          <a:prstGeom prst="rect">
+            <a:avLst/>
+          </a:prstGeom>
+        </p:spPr>
+      </p:pic>
+      <p:pic>
+        <p:nvPicPr>
+          <p:cNvPr id="9" name="그림 8">
+            <a:extLst>
+              <a:ext uri="{FF2B5EF4-FFF2-40B4-BE49-F238E27FC236}">
+                <a16:creationId xmlns:a16="http://schemas.microsoft.com/office/drawing/2014/main" id="{DFBAEA75-89F4-4235-83C7-45535BBB5F17}"/>
+              </a:ext>
+            </a:extLst>
+          </p:cNvPr>
+          <p:cNvPicPr>
+            <a:picLocks noChangeAspect="1"/>
+          </p:cNvPicPr>
+          <p:nvPr/>
+        </p:nvPicPr>
+        <p:blipFill>
+          <a:blip r:embed="rId3"/>
+          <a:stretch>
+            <a:fillRect/>
+          </a:stretch>
+        </p:blipFill>
+        <p:spPr>
+          <a:xfrm>
+            <a:off x="6096000" y="4337577"/>
+            <a:ext cx="2857899" cy="800212"/>
+          </a:xfrm>
+          <a:prstGeom prst="rect">
+            <a:avLst/>
+          </a:prstGeom>
+        </p:spPr>
+      </p:pic>
+    </p:spTree>
+    <p:extLst>
+      <p:ext uri="{BB962C8B-B14F-4D97-AF65-F5344CB8AC3E}">
+        <p14:creationId xmlns:p14="http://schemas.microsoft.com/office/powerpoint/2010/main" val="2425451219"/>
+      </p:ext>
+    </p:extLst>
+  </p:cSld>
+  <p:clrMapOvr>
+    <a:masterClrMapping/>
+  </p:clrMapOvr>
+</p:sld>
+</file>
+
+<file path=ppt/slides/slide14.xml><?xml version="1.0" encoding="utf-8"?>
+<p:sld xmlns:a="http://schemas.openxmlformats.org/drawingml/2006/main" xmlns:r="http://schemas.openxmlformats.org/officeDocument/2006/relationships" xmlns:p="http://schemas.openxmlformats.org/presentationml/2006/main">
+  <p:cSld>
+    <p:spTree>
+      <p:nvGrpSpPr>
+        <p:cNvPr id="1" name=""/>
+        <p:cNvGrpSpPr/>
+        <p:nvPr/>
+      </p:nvGrpSpPr>
+      <p:grpSpPr>
+        <a:xfrm>
+          <a:off x="0" y="0"/>
+          <a:ext cx="0" cy="0"/>
+          <a:chOff x="0" y="0"/>
+          <a:chExt cx="0" cy="0"/>
+        </a:xfrm>
+      </p:grpSpPr>
+      <p:sp>
+        <p:nvSpPr>
+          <p:cNvPr id="2" name="제목 1">
+            <a:extLst>
+              <a:ext uri="{FF2B5EF4-FFF2-40B4-BE49-F238E27FC236}">
+                <a16:creationId xmlns:a16="http://schemas.microsoft.com/office/drawing/2014/main" id="{B9398110-B3CD-466E-8E02-788F7BDFBA76}"/>
+              </a:ext>
+            </a:extLst>
+          </p:cNvPr>
+          <p:cNvSpPr>
+            <a:spLocks noGrp="1"/>
+          </p:cNvSpPr>
+          <p:nvPr>
+            <p:ph type="title"/>
+          </p:nvPr>
+        </p:nvSpPr>
+        <p:spPr/>
+        <p:txBody>
+          <a:bodyPr/>
+          <a:lstStyle/>
+          <a:p>
+            <a:r>
+              <a:rPr lang="ko-KR" altLang="en-US" b="1"/>
+              <a:t>접근 지시자</a:t>
+            </a:r>
+            <a:r>
+              <a:rPr lang="en-US" altLang="ko-KR" b="1"/>
+              <a:t>(</a:t>
+            </a:r>
+            <a:r>
+              <a:rPr lang="ko-KR" altLang="en-US" b="1"/>
+              <a:t>제한자</a:t>
+            </a:r>
+            <a:r>
+              <a:rPr lang="en-US" altLang="ko-KR" b="1"/>
+              <a:t>)</a:t>
+            </a:r>
+            <a:endParaRPr lang="en-US" b="1"/>
+          </a:p>
+        </p:txBody>
+      </p:sp>
+      <p:sp>
+        <p:nvSpPr>
+          <p:cNvPr id="3" name="내용 개체 틀 2">
+            <a:extLst>
+              <a:ext uri="{FF2B5EF4-FFF2-40B4-BE49-F238E27FC236}">
+                <a16:creationId xmlns:a16="http://schemas.microsoft.com/office/drawing/2014/main" id="{EC480478-B6D7-4446-A7D3-F725F67280A6}"/>
+              </a:ext>
+            </a:extLst>
+          </p:cNvPr>
+          <p:cNvSpPr>
+            <a:spLocks noGrp="1"/>
+          </p:cNvSpPr>
+          <p:nvPr>
+            <p:ph idx="1"/>
+          </p:nvPr>
+        </p:nvSpPr>
+        <p:spPr>
+          <a:xfrm>
+            <a:off x="519418" y="1812022"/>
+            <a:ext cx="10515600" cy="4613945"/>
+          </a:xfrm>
+        </p:spPr>
+        <p:txBody>
+          <a:bodyPr>
+            <a:normAutofit/>
+          </a:bodyPr>
+          <a:lstStyle/>
+          <a:p>
+            <a:pPr marL="342900" indent="-342900">
+              <a:buAutoNum type="arabicPeriod"/>
+            </a:pPr>
+            <a:endParaRPr lang="en-US" sz="1800"/>
+          </a:p>
+          <a:p>
+            <a:pPr marL="514350" indent="-514350">
+              <a:buFont typeface="+mj-lt"/>
+              <a:buAutoNum type="arabicPeriod"/>
+            </a:pPr>
+            <a:r>
+              <a:rPr lang="en-US" sz="1800"/>
+              <a:t>Private : </a:t>
+            </a:r>
+            <a:r>
+              <a:rPr lang="ko-KR" altLang="en-US" sz="1800"/>
+              <a:t>같은 클래스 내에서만 사용 가능</a:t>
+            </a:r>
+            <a:endParaRPr lang="en-US" altLang="ko-KR" sz="1800"/>
+          </a:p>
+          <a:p>
+            <a:pPr marL="514350" indent="-514350">
+              <a:buFont typeface="+mj-lt"/>
+              <a:buAutoNum type="arabicPeriod"/>
+            </a:pPr>
+            <a:r>
+              <a:rPr lang="en-US" sz="1800"/>
+              <a:t>(default) : </a:t>
+            </a:r>
+            <a:r>
+              <a:rPr lang="ko-KR" altLang="en-US" sz="1800"/>
+              <a:t>아무 것도 정의하지 않았을 경우</a:t>
+            </a:r>
+            <a:r>
+              <a:rPr lang="en-US" altLang="ko-KR" sz="1800"/>
+              <a:t>, </a:t>
+            </a:r>
+            <a:r>
+              <a:rPr lang="ko-KR" altLang="en-US" sz="1800"/>
+              <a:t>같은 클래스</a:t>
+            </a:r>
+            <a:r>
+              <a:rPr lang="en-US" altLang="ko-KR" sz="1800"/>
+              <a:t>, </a:t>
+            </a:r>
+            <a:r>
+              <a:rPr lang="ko-KR" altLang="en-US" sz="1800"/>
+              <a:t>같은 패키지 내에서만 사용 가능</a:t>
+            </a:r>
+            <a:endParaRPr lang="en-US" altLang="ko-KR" sz="1800"/>
+          </a:p>
+          <a:p>
+            <a:pPr marL="514350" indent="-514350">
+              <a:buFont typeface="+mj-lt"/>
+              <a:buAutoNum type="arabicPeriod"/>
+            </a:pPr>
+            <a:r>
+              <a:rPr lang="en-US" sz="1800"/>
+              <a:t>Protected : </a:t>
+            </a:r>
+            <a:r>
+              <a:rPr lang="ko-KR" altLang="en-US" sz="1800"/>
+              <a:t>패키지가 다르면 사용 불가</a:t>
+            </a:r>
+            <a:r>
+              <a:rPr lang="en-US" altLang="ko-KR" sz="1800"/>
+              <a:t>, </a:t>
+            </a:r>
+            <a:r>
+              <a:rPr lang="ko-KR" altLang="en-US" sz="1800"/>
+              <a:t>상속을 받았다면 사용 가능</a:t>
+            </a:r>
+            <a:endParaRPr lang="en-US" altLang="ko-KR" sz="1800"/>
+          </a:p>
+          <a:p>
+            <a:pPr marL="514350" indent="-514350">
+              <a:buFont typeface="+mj-lt"/>
+              <a:buAutoNum type="arabicPeriod"/>
+            </a:pPr>
+            <a:r>
+              <a:rPr lang="en-US" sz="1800"/>
+              <a:t>Public : </a:t>
+            </a:r>
+            <a:r>
+              <a:rPr lang="ko-KR" altLang="en-US" sz="1800"/>
+              <a:t>어디서나 사용 가능</a:t>
+            </a:r>
+            <a:endParaRPr lang="en-US" sz="1800"/>
+          </a:p>
+        </p:txBody>
+      </p:sp>
+      <p:pic>
+        <p:nvPicPr>
+          <p:cNvPr id="9" name="그림 8">
+            <a:extLst>
+              <a:ext uri="{FF2B5EF4-FFF2-40B4-BE49-F238E27FC236}">
+                <a16:creationId xmlns:a16="http://schemas.microsoft.com/office/drawing/2014/main" id="{F0C4E00A-422E-49F5-81EC-2C9A3285AA61}"/>
+              </a:ext>
+            </a:extLst>
+          </p:cNvPr>
+          <p:cNvPicPr>
+            <a:picLocks noChangeAspect="1"/>
+          </p:cNvPicPr>
+          <p:nvPr/>
+        </p:nvPicPr>
+        <p:blipFill>
+          <a:blip r:embed="rId2"/>
+          <a:stretch>
+            <a:fillRect/>
+          </a:stretch>
+        </p:blipFill>
+        <p:spPr>
+          <a:xfrm>
+            <a:off x="838200" y="4498892"/>
+            <a:ext cx="4591691" cy="1400370"/>
+          </a:xfrm>
+          <a:prstGeom prst="rect">
+            <a:avLst/>
+          </a:prstGeom>
+        </p:spPr>
+      </p:pic>
+    </p:spTree>
+    <p:extLst>
+      <p:ext uri="{BB962C8B-B14F-4D97-AF65-F5344CB8AC3E}">
+        <p14:creationId xmlns:p14="http://schemas.microsoft.com/office/powerpoint/2010/main" val="2686134468"/>
+      </p:ext>
+    </p:extLst>
+  </p:cSld>
+  <p:clrMapOvr>
+    <a:masterClrMapping/>
+  </p:clrMapOvr>
+</p:sld>
+</file>
+
+<file path=ppt/slides/slide15.xml><?xml version="1.0" encoding="utf-8"?>
+<p:sld xmlns:a="http://schemas.openxmlformats.org/drawingml/2006/main" xmlns:r="http://schemas.openxmlformats.org/officeDocument/2006/relationships" xmlns:p="http://schemas.openxmlformats.org/presentationml/2006/main">
+  <p:cSld>
+    <p:spTree>
+      <p:nvGrpSpPr>
+        <p:cNvPr id="1" name=""/>
+        <p:cNvGrpSpPr/>
+        <p:nvPr/>
+      </p:nvGrpSpPr>
+      <p:grpSpPr>
+        <a:xfrm>
+          <a:off x="0" y="0"/>
+          <a:ext cx="0" cy="0"/>
+          <a:chOff x="0" y="0"/>
+          <a:chExt cx="0" cy="0"/>
+        </a:xfrm>
+      </p:grpSpPr>
+      <p:sp>
+        <p:nvSpPr>
+          <p:cNvPr id="2" name="제목 1">
+            <a:extLst>
+              <a:ext uri="{FF2B5EF4-FFF2-40B4-BE49-F238E27FC236}">
+                <a16:creationId xmlns:a16="http://schemas.microsoft.com/office/drawing/2014/main" id="{B9398110-B3CD-466E-8E02-788F7BDFBA76}"/>
+              </a:ext>
+            </a:extLst>
+          </p:cNvPr>
+          <p:cNvSpPr>
+            <a:spLocks noGrp="1"/>
+          </p:cNvSpPr>
+          <p:nvPr>
+            <p:ph type="title"/>
+          </p:nvPr>
+        </p:nvSpPr>
+        <p:spPr/>
+        <p:txBody>
+          <a:bodyPr/>
+          <a:lstStyle/>
+          <a:p>
+            <a:r>
+              <a:rPr lang="ko-KR" altLang="en-US" b="1"/>
+              <a:t>캡슐화</a:t>
+            </a:r>
+            <a:r>
+              <a:rPr lang="en-US" altLang="ko-KR" b="1"/>
+              <a:t>(</a:t>
+            </a:r>
+            <a:r>
+              <a:rPr lang="ko-KR" altLang="en-US" b="1"/>
+              <a:t>객체지향의 특징</a:t>
+            </a:r>
+            <a:r>
+              <a:rPr lang="en-US" altLang="ko-KR" b="1"/>
+              <a:t>)</a:t>
+            </a:r>
+            <a:endParaRPr lang="en-US" b="1"/>
+          </a:p>
+        </p:txBody>
+      </p:sp>
+      <p:sp>
+        <p:nvSpPr>
+          <p:cNvPr id="3" name="내용 개체 틀 2">
+            <a:extLst>
+              <a:ext uri="{FF2B5EF4-FFF2-40B4-BE49-F238E27FC236}">
+                <a16:creationId xmlns:a16="http://schemas.microsoft.com/office/drawing/2014/main" id="{EC480478-B6D7-4446-A7D3-F725F67280A6}"/>
+              </a:ext>
+            </a:extLst>
+          </p:cNvPr>
+          <p:cNvSpPr>
+            <a:spLocks noGrp="1"/>
+          </p:cNvSpPr>
+          <p:nvPr>
+            <p:ph idx="1"/>
+          </p:nvPr>
+        </p:nvSpPr>
+        <p:spPr>
+          <a:xfrm>
+            <a:off x="519418" y="1812022"/>
+            <a:ext cx="10515600" cy="4613945"/>
+          </a:xfrm>
+        </p:spPr>
+        <p:txBody>
+          <a:bodyPr>
+            <a:normAutofit/>
+          </a:bodyPr>
+          <a:lstStyle/>
+          <a:p>
+            <a:pPr marL="342900" indent="-342900">
+              <a:buAutoNum type="arabicPeriod"/>
+            </a:pPr>
+            <a:r>
+              <a:rPr lang="ko-KR" altLang="en-US" sz="1800"/>
+              <a:t>클래스를 설계 할 때 데이터</a:t>
+            </a:r>
+            <a:r>
+              <a:rPr lang="en-US" altLang="ko-KR" sz="1800"/>
+              <a:t>(</a:t>
+            </a:r>
+            <a:r>
+              <a:rPr lang="ko-KR" altLang="en-US" sz="1800"/>
+              <a:t>멤버 변수</a:t>
+            </a:r>
+            <a:r>
+              <a:rPr lang="en-US" altLang="ko-KR" sz="1800"/>
+              <a:t>)</a:t>
+            </a:r>
+            <a:r>
+              <a:rPr lang="ko-KR" altLang="en-US" sz="1800"/>
+              <a:t>와 기능</a:t>
+            </a:r>
+            <a:r>
+              <a:rPr lang="en-US" altLang="ko-KR" sz="1800"/>
+              <a:t>(</a:t>
+            </a:r>
+            <a:r>
+              <a:rPr lang="ko-KR" altLang="en-US" sz="1800"/>
+              <a:t>메서드</a:t>
+            </a:r>
+            <a:r>
+              <a:rPr lang="en-US" altLang="ko-KR" sz="1800"/>
+              <a:t>) </a:t>
+            </a:r>
+            <a:r>
+              <a:rPr lang="ko-KR" altLang="en-US" sz="1800"/>
+              <a:t>를 클래스라는 틀에 넣어서 설계하기</a:t>
+            </a:r>
+            <a:endParaRPr lang="en-US" altLang="ko-KR" sz="1800"/>
+          </a:p>
+          <a:p>
+            <a:pPr marL="342900" indent="-342900">
+              <a:buAutoNum type="arabicPeriod"/>
+            </a:pPr>
+            <a:r>
+              <a:rPr lang="ko-KR" altLang="en-US" sz="1800"/>
+              <a:t>중요한 데이터나 복잡한 구현을 숨기기 </a:t>
+            </a:r>
+            <a:r>
+              <a:rPr lang="en-US" altLang="ko-KR" sz="1800"/>
+              <a:t>(private)</a:t>
+            </a:r>
+          </a:p>
+          <a:p>
+            <a:pPr marL="342900" indent="-342900">
+              <a:buAutoNum type="arabicPeriod"/>
+            </a:pPr>
+            <a:r>
+              <a:rPr lang="ko-KR" altLang="en-US" sz="1800"/>
+              <a:t>사용에 꼭 필요한 기능만을 공개하여 정의하기</a:t>
+            </a:r>
+            <a:r>
+              <a:rPr lang="en-US" altLang="ko-KR" sz="1800"/>
+              <a:t>(public)</a:t>
+            </a:r>
+          </a:p>
+          <a:p>
+            <a:pPr marL="342900" indent="-342900">
+              <a:buAutoNum type="arabicPeriod"/>
+            </a:pPr>
+            <a:r>
+              <a:rPr lang="ko-KR" altLang="en-US" sz="1800"/>
+              <a:t>방법</a:t>
+            </a:r>
+            <a:endParaRPr lang="en-US" altLang="ko-KR" sz="1800"/>
+          </a:p>
+          <a:p>
+            <a:pPr marL="800100" lvl="1" indent="-342900">
+              <a:buAutoNum type="arabicPeriod"/>
+            </a:pPr>
+            <a:r>
+              <a:rPr lang="ko-KR" altLang="en-US" sz="1400"/>
+              <a:t>중요하거나 상세한 구현은 숨긴다</a:t>
+            </a:r>
+            <a:r>
+              <a:rPr lang="en-US" altLang="ko-KR" sz="1400"/>
+              <a:t>. (private)</a:t>
+            </a:r>
+          </a:p>
+          <a:p>
+            <a:pPr marL="800100" lvl="1" indent="-342900">
+              <a:buAutoNum type="arabicPeriod"/>
+            </a:pPr>
+            <a:r>
+              <a:rPr lang="ko-KR" altLang="en-US" sz="1400"/>
+              <a:t>접근에 필요한 기능만 </a:t>
+            </a:r>
+            <a:r>
+              <a:rPr lang="en-US" altLang="ko-KR" sz="1400"/>
+              <a:t>public </a:t>
+            </a:r>
+            <a:r>
+              <a:rPr lang="ko-KR" altLang="en-US" sz="1400"/>
+              <a:t>으로 </a:t>
+            </a:r>
+            <a:r>
+              <a:rPr lang="en-US" altLang="ko-KR" sz="1400"/>
+              <a:t>-&gt; </a:t>
+            </a:r>
+            <a:r>
+              <a:rPr lang="ko-KR" altLang="en-US" sz="1400"/>
+              <a:t>주로 </a:t>
+            </a:r>
+            <a:r>
+              <a:rPr lang="en-US" altLang="ko-KR" sz="1400"/>
+              <a:t>main </a:t>
+            </a:r>
+            <a:r>
+              <a:rPr lang="ko-KR" altLang="en-US" sz="1400"/>
+              <a:t>메서드나 생성자</a:t>
+            </a:r>
+            <a:endParaRPr lang="en-US" altLang="ko-KR" sz="1400"/>
+          </a:p>
+          <a:p>
+            <a:pPr marL="800100" lvl="1" indent="-342900">
+              <a:buAutoNum type="arabicPeriod"/>
+            </a:pPr>
+            <a:r>
+              <a:rPr lang="en-US" sz="1400"/>
+              <a:t>Getter, Setter </a:t>
+            </a:r>
+            <a:r>
+              <a:rPr lang="ko-KR" altLang="en-US" sz="1400"/>
+              <a:t>로 접근 및 제어 한다</a:t>
+            </a:r>
+            <a:r>
+              <a:rPr lang="en-US" altLang="ko-KR" sz="1400"/>
+              <a:t>.</a:t>
+            </a:r>
+            <a:endParaRPr lang="en-US" sz="1400"/>
+          </a:p>
+        </p:txBody>
+      </p:sp>
+    </p:spTree>
+    <p:extLst>
+      <p:ext uri="{BB962C8B-B14F-4D97-AF65-F5344CB8AC3E}">
+        <p14:creationId xmlns:p14="http://schemas.microsoft.com/office/powerpoint/2010/main" val="1296733247"/>
       </p:ext>
     </p:extLst>
   </p:cSld>
@@ -4771,7 +5891,7 @@
         </p:nvSpPr>
         <p:spPr>
           <a:xfrm>
-            <a:off x="511029" y="1484851"/>
+            <a:off x="519418" y="1690688"/>
             <a:ext cx="10515600" cy="4613945"/>
           </a:xfrm>
         </p:spPr>
@@ -5210,7 +6330,7 @@
           <a:p>
             <a:r>
               <a:rPr lang="ko-KR" altLang="en-US" b="1"/>
-              <a:t>클래스 생성자</a:t>
+              <a:t>멤버 변수</a:t>
             </a:r>
             <a:endParaRPr lang="en-US" b="1"/>
           </a:p>
@@ -5249,15 +6369,7 @@
             </a:pPr>
             <a:r>
               <a:rPr lang="ko-KR" altLang="en-US" sz="1800"/>
-              <a:t>객체를 생성 시 자동 호출되는 기능 </a:t>
-            </a:r>
-            <a:r>
-              <a:rPr lang="en-US" altLang="ko-KR" sz="1800"/>
-              <a:t>-&gt; </a:t>
-            </a:r>
-            <a:r>
-              <a:rPr lang="ko-KR" altLang="en-US" sz="1800"/>
-              <a:t>객체 초기화에 주로 쓰임</a:t>
+              <a:t>객체 내에서 정의되는 변수</a:t>
             </a:r>
             <a:endParaRPr lang="en-US" altLang="ko-KR" sz="1800"/>
           </a:p>
@@ -5267,75 +6379,103 @@
             </a:pPr>
             <a:r>
               <a:rPr lang="ko-KR" altLang="en-US" sz="1800"/>
-              <a:t>규칙</a:t>
-            </a:r>
-            <a:endParaRPr lang="en-US" altLang="ko-KR" sz="1800"/>
-          </a:p>
-          <a:p>
-            <a:pPr marL="800100" lvl="1" indent="-342900">
-              <a:buAutoNum type="arabicPeriod"/>
-            </a:pPr>
-            <a:r>
-              <a:rPr lang="ko-KR" altLang="en-US" sz="1400"/>
-              <a:t>클래스와 이름이 같아야함</a:t>
-            </a:r>
-            <a:endParaRPr lang="en-US" altLang="ko-KR" sz="1400"/>
-          </a:p>
-          <a:p>
-            <a:pPr marL="800100" lvl="1" indent="-342900">
-              <a:buAutoNum type="arabicPeriod"/>
-            </a:pPr>
-            <a:r>
-              <a:rPr lang="ko-KR" altLang="en-US" sz="1400"/>
-              <a:t>리턴 타입이 없어야 함</a:t>
-            </a:r>
-            <a:endParaRPr lang="en-US" altLang="ko-KR" sz="1400"/>
-          </a:p>
-          <a:p>
-            <a:pPr marL="800100" lvl="1" indent="-342900">
-              <a:buAutoNum type="arabicPeriod"/>
-            </a:pPr>
-            <a:r>
-              <a:rPr lang="ko-KR" altLang="en-US" sz="1400"/>
-              <a:t>반드시 있어야 함</a:t>
-            </a:r>
-            <a:r>
-              <a:rPr lang="en-US" altLang="ko-KR" sz="1400"/>
-              <a:t>( </a:t>
-            </a:r>
-            <a:r>
-              <a:rPr lang="ko-KR" altLang="en-US" sz="1400"/>
-              <a:t>생략 가능하지만</a:t>
-            </a:r>
-            <a:r>
-              <a:rPr lang="en-US" altLang="ko-KR" sz="1400"/>
-              <a:t>, </a:t>
-            </a:r>
-            <a:r>
-              <a:rPr lang="ko-KR" altLang="en-US" sz="1400"/>
-              <a:t>컴파일러가 자동으로 만들어줌</a:t>
-            </a:r>
-            <a:r>
-              <a:rPr lang="en-US" altLang="ko-KR" sz="1400"/>
-              <a:t>)</a:t>
+              <a:t>메모리 영역 중 </a:t>
+            </a:r>
+            <a:r>
+              <a:rPr lang="en-US" altLang="ko-KR" sz="1800"/>
+              <a:t>heap </a:t>
+            </a:r>
+            <a:r>
+              <a:rPr lang="ko-KR" altLang="en-US" sz="1800"/>
+              <a:t>에 생성 된다</a:t>
+            </a:r>
+            <a:r>
+              <a:rPr lang="en-US" altLang="ko-KR" sz="1800"/>
+              <a:t>.</a:t>
             </a:r>
           </a:p>
           <a:p>
             <a:pPr marL="342900" indent="-342900">
               <a:buAutoNum type="arabicPeriod"/>
             </a:pPr>
-            <a:endParaRPr lang="en-US" sz="1800"/>
-          </a:p>
-          <a:p>
-            <a:pPr marL="0" indent="0">
-              <a:buNone/>
-            </a:pPr>
-            <a:endParaRPr lang="en-US" sz="1800"/>
-          </a:p>
-          <a:p>
-            <a:pPr marL="0" indent="0">
-              <a:buNone/>
-            </a:pPr>
+            <a:r>
+              <a:rPr lang="en-US" altLang="ko-KR" sz="1800"/>
+              <a:t>Static </a:t>
+            </a:r>
+            <a:r>
+              <a:rPr lang="ko-KR" altLang="en-US" sz="1800"/>
+              <a:t>변수 </a:t>
+            </a:r>
+            <a:r>
+              <a:rPr lang="en-US" altLang="ko-KR" sz="1800"/>
+              <a:t>: &gt;&gt; </a:t>
+            </a:r>
+            <a:r>
+              <a:rPr lang="ko-KR" altLang="en-US" sz="1800"/>
+              <a:t>클래스가 메모리에 로딩될 때 </a:t>
+            </a:r>
+            <a:r>
+              <a:rPr lang="en-US" altLang="ko-KR" sz="1800"/>
+              <a:t>&lt;&lt;</a:t>
+            </a:r>
+            <a:r>
+              <a:rPr lang="ko-KR" altLang="en-US" sz="1800"/>
+              <a:t> 메모리 할당이 이루어지며</a:t>
+            </a:r>
+            <a:r>
+              <a:rPr lang="en-US" altLang="ko-KR" sz="1800"/>
+              <a:t>, </a:t>
+            </a:r>
+            <a:r>
+              <a:rPr lang="ko-KR" altLang="en-US" sz="1800"/>
+              <a:t>자동 초기화 됨</a:t>
+            </a:r>
+            <a:r>
+              <a:rPr lang="en-US" altLang="ko-KR" sz="1800"/>
+              <a:t>. </a:t>
+            </a:r>
+            <a:r>
+              <a:rPr lang="ko-KR" altLang="en-US" sz="1800"/>
+              <a:t>클래스 제거시 제거</a:t>
+            </a:r>
+            <a:endParaRPr lang="en-US" altLang="ko-KR" sz="1800"/>
+          </a:p>
+          <a:p>
+            <a:pPr marL="342900" indent="-342900">
+              <a:buAutoNum type="arabicPeriod"/>
+            </a:pPr>
+            <a:r>
+              <a:rPr lang="en-US" sz="1800"/>
+              <a:t>Instance </a:t>
+            </a:r>
+            <a:r>
+              <a:rPr lang="ko-KR" altLang="en-US" sz="1800"/>
+              <a:t>변수 </a:t>
+            </a:r>
+            <a:r>
+              <a:rPr lang="en-US" altLang="ko-KR" sz="1800"/>
+              <a:t>: &gt;&gt; </a:t>
+            </a:r>
+            <a:r>
+              <a:rPr lang="ko-KR" altLang="en-US" sz="1800"/>
+              <a:t>객체 생성 시 </a:t>
+            </a:r>
+            <a:r>
+              <a:rPr lang="en-US" altLang="ko-KR" sz="1800"/>
+              <a:t>&lt;&lt; </a:t>
+            </a:r>
+            <a:r>
+              <a:rPr lang="ko-KR" altLang="en-US" sz="1800"/>
+              <a:t>자동 초기화</a:t>
+            </a:r>
+            <a:r>
+              <a:rPr lang="en-US" altLang="ko-KR" sz="1800"/>
+              <a:t>. </a:t>
+            </a:r>
+            <a:r>
+              <a:rPr lang="ko-KR" altLang="en-US" sz="1800"/>
+              <a:t>객체 제거 시 제거</a:t>
+            </a:r>
             <a:endParaRPr lang="en-US" sz="1800"/>
           </a:p>
           <a:p>
@@ -5357,7 +6497,7 @@
           <p:cNvPr id="4" name="그림 3">
             <a:extLst>
               <a:ext uri="{FF2B5EF4-FFF2-40B4-BE49-F238E27FC236}">
-                <a16:creationId xmlns:a16="http://schemas.microsoft.com/office/drawing/2014/main" id="{9051C0EE-3257-4ACE-B9C5-3D4D61361F98}"/>
+                <a16:creationId xmlns:a16="http://schemas.microsoft.com/office/drawing/2014/main" id="{D312D1C9-9F71-4A0F-986F-E642F5F6F907}"/>
               </a:ext>
             </a:extLst>
           </p:cNvPr>
@@ -5387,7 +6527,7 @@
           <p:cNvPr id="5" name="TextBox 4">
             <a:extLst>
               <a:ext uri="{FF2B5EF4-FFF2-40B4-BE49-F238E27FC236}">
-                <a16:creationId xmlns:a16="http://schemas.microsoft.com/office/drawing/2014/main" id="{D8C07B6A-658D-4D85-830C-2045E4D98AA3}"/>
+                <a16:creationId xmlns:a16="http://schemas.microsoft.com/office/drawing/2014/main" id="{3A60B553-5D30-4DF3-8F3C-DC0FA1AB4E78}"/>
               </a:ext>
             </a:extLst>
           </p:cNvPr>
@@ -5396,7 +6536,7 @@
         </p:nvSpPr>
         <p:spPr>
           <a:xfrm>
-            <a:off x="3093740" y="4930978"/>
+            <a:off x="3920426" y="3934328"/>
             <a:ext cx="3713583" cy="369332"/>
           </a:xfrm>
           <a:prstGeom prst="rect">
@@ -5417,7 +6557,89 @@
             </a:r>
             <a:r>
               <a:rPr lang="ko-KR" altLang="en-US"/>
-              <a:t>얘가 생성자</a:t>
+              <a:t>멤버 변수</a:t>
+            </a:r>
+            <a:endParaRPr lang="en-US"/>
+          </a:p>
+        </p:txBody>
+      </p:sp>
+      <p:sp>
+        <p:nvSpPr>
+          <p:cNvPr id="6" name="TextBox 5">
+            <a:extLst>
+              <a:ext uri="{FF2B5EF4-FFF2-40B4-BE49-F238E27FC236}">
+                <a16:creationId xmlns:a16="http://schemas.microsoft.com/office/drawing/2014/main" id="{40F219BA-D381-4C52-A8A9-B45426D5DB7C}"/>
+              </a:ext>
+            </a:extLst>
+          </p:cNvPr>
+          <p:cNvSpPr txBox="1"/>
+          <p:nvPr/>
+        </p:nvSpPr>
+        <p:spPr>
+          <a:xfrm>
+            <a:off x="3920426" y="4995481"/>
+            <a:ext cx="3713583" cy="369332"/>
+          </a:xfrm>
+          <a:prstGeom prst="rect">
+            <a:avLst/>
+          </a:prstGeom>
+          <a:noFill/>
+        </p:spPr>
+        <p:txBody>
+          <a:bodyPr wrap="square" rtlCol="0">
+            <a:spAutoFit/>
+          </a:bodyPr>
+          <a:lstStyle/>
+          <a:p>
+            <a:pPr algn="ctr"/>
+            <a:r>
+              <a:rPr lang="en-US"/>
+              <a:t>&lt;- </a:t>
+            </a:r>
+            <a:r>
+              <a:rPr lang="ko-KR" altLang="en-US"/>
+              <a:t>생성자</a:t>
+            </a:r>
+            <a:endParaRPr lang="en-US"/>
+          </a:p>
+        </p:txBody>
+      </p:sp>
+      <p:sp>
+        <p:nvSpPr>
+          <p:cNvPr id="7" name="TextBox 6">
+            <a:extLst>
+              <a:ext uri="{FF2B5EF4-FFF2-40B4-BE49-F238E27FC236}">
+                <a16:creationId xmlns:a16="http://schemas.microsoft.com/office/drawing/2014/main" id="{468CBBC5-3026-44EF-BD5F-50C640F8AC2D}"/>
+              </a:ext>
+            </a:extLst>
+          </p:cNvPr>
+          <p:cNvSpPr txBox="1"/>
+          <p:nvPr/>
+        </p:nvSpPr>
+        <p:spPr>
+          <a:xfrm>
+            <a:off x="3920425" y="5920638"/>
+            <a:ext cx="3713583" cy="369332"/>
+          </a:xfrm>
+          <a:prstGeom prst="rect">
+            <a:avLst/>
+          </a:prstGeom>
+          <a:noFill/>
+        </p:spPr>
+        <p:txBody>
+          <a:bodyPr wrap="square" rtlCol="0">
+            <a:spAutoFit/>
+          </a:bodyPr>
+          <a:lstStyle/>
+          <a:p>
+            <a:pPr algn="ctr"/>
+            <a:r>
+              <a:rPr lang="en-US"/>
+              <a:t>&lt;- </a:t>
+            </a:r>
+            <a:r>
+              <a:rPr lang="ko-KR" altLang="en-US"/>
+              <a:t>메서드</a:t>
             </a:r>
             <a:endParaRPr lang="en-US"/>
           </a:p>
@@ -5426,7 +6648,7 @@
     </p:spTree>
     <p:extLst>
       <p:ext uri="{BB962C8B-B14F-4D97-AF65-F5344CB8AC3E}">
-        <p14:creationId xmlns:p14="http://schemas.microsoft.com/office/powerpoint/2010/main" val="971284570"/>
+        <p14:creationId xmlns:p14="http://schemas.microsoft.com/office/powerpoint/2010/main" val="2077123473"/>
       </p:ext>
     </p:extLst>
   </p:cSld>
